--- a/layout-design/layout.pptx
+++ b/layout-design/layout.pptx
@@ -5,7 +5,8 @@
     <p:sldMasterId id="2147483672" r:id="rId1"/>
   </p:sldMasterIdLst>
   <p:sldIdLst>
-    <p:sldId id="257" r:id="rId2"/>
+    <p:sldId id="258" r:id="rId2"/>
+    <p:sldId id="257" r:id="rId3"/>
   </p:sldIdLst>
   <p:sldSz cx="10972800" cy="6172200"/>
   <p:notesSz cx="6858000" cy="9144000"/>
@@ -243,7 +244,7 @@
           <a:p>
             <a:fld id="{6D29FF32-0556-E348-8219-C208754F7C02}" type="datetimeFigureOut">
               <a:rPr lang="en-US" smtClean="0"/>
-              <a:t>3/14/24</a:t>
+              <a:t>3/18/24</a:t>
             </a:fld>
             <a:endParaRPr lang="en-US"/>
           </a:p>
@@ -413,7 +414,7 @@
           <a:p>
             <a:fld id="{6D29FF32-0556-E348-8219-C208754F7C02}" type="datetimeFigureOut">
               <a:rPr lang="en-US" smtClean="0"/>
-              <a:t>3/14/24</a:t>
+              <a:t>3/18/24</a:t>
             </a:fld>
             <a:endParaRPr lang="en-US"/>
           </a:p>
@@ -593,7 +594,7 @@
           <a:p>
             <a:fld id="{6D29FF32-0556-E348-8219-C208754F7C02}" type="datetimeFigureOut">
               <a:rPr lang="en-US" smtClean="0"/>
-              <a:t>3/14/24</a:t>
+              <a:t>3/18/24</a:t>
             </a:fld>
             <a:endParaRPr lang="en-US"/>
           </a:p>
@@ -763,7 +764,7 @@
           <a:p>
             <a:fld id="{6D29FF32-0556-E348-8219-C208754F7C02}" type="datetimeFigureOut">
               <a:rPr lang="en-US" smtClean="0"/>
-              <a:t>3/14/24</a:t>
+              <a:t>3/18/24</a:t>
             </a:fld>
             <a:endParaRPr lang="en-US"/>
           </a:p>
@@ -1009,7 +1010,7 @@
           <a:p>
             <a:fld id="{6D29FF32-0556-E348-8219-C208754F7C02}" type="datetimeFigureOut">
               <a:rPr lang="en-US" smtClean="0"/>
-              <a:t>3/14/24</a:t>
+              <a:t>3/18/24</a:t>
             </a:fld>
             <a:endParaRPr lang="en-US"/>
           </a:p>
@@ -1241,7 +1242,7 @@
           <a:p>
             <a:fld id="{6D29FF32-0556-E348-8219-C208754F7C02}" type="datetimeFigureOut">
               <a:rPr lang="en-US" smtClean="0"/>
-              <a:t>3/14/24</a:t>
+              <a:t>3/18/24</a:t>
             </a:fld>
             <a:endParaRPr lang="en-US"/>
           </a:p>
@@ -1608,7 +1609,7 @@
           <a:p>
             <a:fld id="{6D29FF32-0556-E348-8219-C208754F7C02}" type="datetimeFigureOut">
               <a:rPr lang="en-US" smtClean="0"/>
-              <a:t>3/14/24</a:t>
+              <a:t>3/18/24</a:t>
             </a:fld>
             <a:endParaRPr lang="en-US"/>
           </a:p>
@@ -1726,7 +1727,7 @@
           <a:p>
             <a:fld id="{6D29FF32-0556-E348-8219-C208754F7C02}" type="datetimeFigureOut">
               <a:rPr lang="en-US" smtClean="0"/>
-              <a:t>3/14/24</a:t>
+              <a:t>3/18/24</a:t>
             </a:fld>
             <a:endParaRPr lang="en-US"/>
           </a:p>
@@ -1821,7 +1822,7 @@
           <a:p>
             <a:fld id="{6D29FF32-0556-E348-8219-C208754F7C02}" type="datetimeFigureOut">
               <a:rPr lang="en-US" smtClean="0"/>
-              <a:t>3/14/24</a:t>
+              <a:t>3/18/24</a:t>
             </a:fld>
             <a:endParaRPr lang="en-US"/>
           </a:p>
@@ -2098,7 +2099,7 @@
           <a:p>
             <a:fld id="{6D29FF32-0556-E348-8219-C208754F7C02}" type="datetimeFigureOut">
               <a:rPr lang="en-US" smtClean="0"/>
-              <a:t>3/14/24</a:t>
+              <a:t>3/18/24</a:t>
             </a:fld>
             <a:endParaRPr lang="en-US"/>
           </a:p>
@@ -2355,7 +2356,7 @@
           <a:p>
             <a:fld id="{6D29FF32-0556-E348-8219-C208754F7C02}" type="datetimeFigureOut">
               <a:rPr lang="en-US" smtClean="0"/>
-              <a:t>3/14/24</a:t>
+              <a:t>3/18/24</a:t>
             </a:fld>
             <a:endParaRPr lang="en-US"/>
           </a:p>
@@ -2568,7 +2569,7 @@
           <a:p>
             <a:fld id="{6D29FF32-0556-E348-8219-C208754F7C02}" type="datetimeFigureOut">
               <a:rPr lang="en-US" smtClean="0"/>
-              <a:t>3/14/24</a:t>
+              <a:t>3/18/24</a:t>
             </a:fld>
             <a:endParaRPr lang="en-US"/>
           </a:p>
@@ -2975,6 +2976,131 @@
       </p:grpSpPr>
       <p:sp>
         <p:nvSpPr>
+          <p:cNvPr id="2" name="Title 1">
+            <a:extLst>
+              <a:ext uri="{FF2B5EF4-FFF2-40B4-BE49-F238E27FC236}">
+                <a16:creationId xmlns:a16="http://schemas.microsoft.com/office/drawing/2014/main" id="{EBB74364-3769-C9DD-4D81-4177A4932F16}"/>
+              </a:ext>
+            </a:extLst>
+          </p:cNvPr>
+          <p:cNvSpPr>
+            <a:spLocks noGrp="1"/>
+          </p:cNvSpPr>
+          <p:nvPr>
+            <p:ph type="title"/>
+          </p:nvPr>
+        </p:nvSpPr>
+        <p:spPr/>
+        <p:txBody>
+          <a:bodyPr/>
+          <a:lstStyle/>
+          <a:p>
+            <a:r>
+              <a:rPr lang="en-US" dirty="0"/>
+              <a:t>Layout Notes</a:t>
+            </a:r>
+          </a:p>
+        </p:txBody>
+      </p:sp>
+      <p:sp>
+        <p:nvSpPr>
+          <p:cNvPr id="3" name="Content Placeholder 2">
+            <a:extLst>
+              <a:ext uri="{FF2B5EF4-FFF2-40B4-BE49-F238E27FC236}">
+                <a16:creationId xmlns:a16="http://schemas.microsoft.com/office/drawing/2014/main" id="{A3BECEB1-9593-FAB8-B752-C87795ED463F}"/>
+              </a:ext>
+            </a:extLst>
+          </p:cNvPr>
+          <p:cNvSpPr>
+            <a:spLocks noGrp="1"/>
+          </p:cNvSpPr>
+          <p:nvPr>
+            <p:ph idx="1"/>
+          </p:nvPr>
+        </p:nvSpPr>
+        <p:spPr/>
+        <p:txBody>
+          <a:bodyPr/>
+          <a:lstStyle/>
+          <a:p>
+            <a:r>
+              <a:rPr lang="en-US" dirty="0"/>
+              <a:t>Designed with a 12 column grid</a:t>
+            </a:r>
+          </a:p>
+          <a:p>
+            <a:r>
+              <a:rPr lang="en-US" dirty="0"/>
+              <a:t>Colors shown in layout page may not be actual colors – just used to differentiate elements</a:t>
+            </a:r>
+          </a:p>
+          <a:p>
+            <a:r>
+              <a:rPr lang="en-US" dirty="0"/>
+              <a:t>Similarly, elements will likely take up the entirety of the columns, but are shown </a:t>
+            </a:r>
+            <a:r>
+              <a:rPr lang="en-US" u="sng" dirty="0"/>
+              <a:t>not</a:t>
+            </a:r>
+            <a:r>
+              <a:rPr lang="en-US" dirty="0"/>
+              <a:t> taking up the full column to better represent hierarchy of </a:t>
+            </a:r>
+            <a:r>
+              <a:rPr lang="en-US" dirty="0" err="1">
+                <a:latin typeface="Consolas" panose="020B0609020204030204" pitchFamily="49" charset="0"/>
+                <a:cs typeface="Consolas" panose="020B0609020204030204" pitchFamily="49" charset="0"/>
+              </a:rPr>
+              <a:t>div</a:t>
+            </a:r>
+            <a:r>
+              <a:rPr lang="en-US" dirty="0" err="1"/>
+              <a:t>s</a:t>
+            </a:r>
+            <a:endParaRPr lang="en-US" dirty="0"/>
+          </a:p>
+          <a:p>
+            <a:pPr lvl="1"/>
+            <a:r>
+              <a:rPr lang="en-US" dirty="0"/>
+              <a:t>E.g. in the instruction/selector pane on the left, there will be a div containing all of the selectors, as well as one for the ”advanced” section which will (hopefully) be able to be shown/minimized using a button</a:t>
+            </a:r>
+          </a:p>
+        </p:txBody>
+      </p:sp>
+    </p:spTree>
+    <p:extLst>
+      <p:ext uri="{BB962C8B-B14F-4D97-AF65-F5344CB8AC3E}">
+        <p14:creationId xmlns:p14="http://schemas.microsoft.com/office/powerpoint/2010/main" val="2747709648"/>
+      </p:ext>
+    </p:extLst>
+  </p:cSld>
+  <p:clrMapOvr>
+    <a:masterClrMapping/>
+  </p:clrMapOvr>
+</p:sld>
+</file>
+
+<file path=ppt/slides/slide2.xml><?xml version="1.0" encoding="utf-8"?>
+<p:sld xmlns:a="http://schemas.openxmlformats.org/drawingml/2006/main" xmlns:r="http://schemas.openxmlformats.org/officeDocument/2006/relationships" xmlns:p="http://schemas.openxmlformats.org/presentationml/2006/main">
+  <p:cSld>
+    <p:spTree>
+      <p:nvGrpSpPr>
+        <p:cNvPr id="1" name=""/>
+        <p:cNvGrpSpPr/>
+        <p:nvPr/>
+      </p:nvGrpSpPr>
+      <p:grpSpPr>
+        <a:xfrm>
+          <a:off x="0" y="0"/>
+          <a:ext cx="0" cy="0"/>
+          <a:chOff x="0" y="0"/>
+          <a:chExt cx="0" cy="0"/>
+        </a:xfrm>
+      </p:grpSpPr>
+      <p:sp>
+        <p:nvSpPr>
           <p:cNvPr id="2" name="Rectangle 1">
             <a:extLst>
               <a:ext uri="{FF2B5EF4-FFF2-40B4-BE49-F238E27FC236}">
@@ -4124,6 +4250,761 @@
               <a:rPr lang="en-US" sz="1400" dirty="0"/>
               <a:t>slider</a:t>
             </a:r>
+          </a:p>
+        </p:txBody>
+      </p:sp>
+      <p:graphicFrame>
+        <p:nvGraphicFramePr>
+          <p:cNvPr id="22" name="Table 21">
+            <a:extLst>
+              <a:ext uri="{FF2B5EF4-FFF2-40B4-BE49-F238E27FC236}">
+                <a16:creationId xmlns:a16="http://schemas.microsoft.com/office/drawing/2014/main" id="{A43FAA15-9A10-FC12-BA85-5699694E35C4}"/>
+              </a:ext>
+            </a:extLst>
+          </p:cNvPr>
+          <p:cNvGraphicFramePr>
+            <a:graphicFrameLocks noGrp="1"/>
+          </p:cNvGraphicFramePr>
+          <p:nvPr>
+            <p:extLst>
+              <p:ext uri="{D42A27DB-BD31-4B8C-83A1-F6EECF244321}">
+                <p14:modId xmlns:p14="http://schemas.microsoft.com/office/powerpoint/2010/main" val="3901150041"/>
+              </p:ext>
+            </p:extLst>
+          </p:nvPr>
+        </p:nvGraphicFramePr>
+        <p:xfrm>
+          <a:off x="0" y="0"/>
+          <a:ext cx="10972800" cy="6172200"/>
+        </p:xfrm>
+        <a:graphic>
+          <a:graphicData uri="http://schemas.openxmlformats.org/drawingml/2006/table">
+            <a:tbl>
+              <a:tblPr firstRow="1" bandRow="1">
+                <a:tableStyleId>{5C22544A-7EE6-4342-B048-85BDC9FD1C3A}</a:tableStyleId>
+              </a:tblPr>
+              <a:tblGrid>
+                <a:gridCol w="914400">
+                  <a:extLst>
+                    <a:ext uri="{9D8B030D-6E8A-4147-A177-3AD203B41FA5}">
+                      <a16:colId xmlns:a16="http://schemas.microsoft.com/office/drawing/2014/main" val="1115665720"/>
+                    </a:ext>
+                  </a:extLst>
+                </a:gridCol>
+                <a:gridCol w="914400">
+                  <a:extLst>
+                    <a:ext uri="{9D8B030D-6E8A-4147-A177-3AD203B41FA5}">
+                      <a16:colId xmlns:a16="http://schemas.microsoft.com/office/drawing/2014/main" val="2340710312"/>
+                    </a:ext>
+                  </a:extLst>
+                </a:gridCol>
+                <a:gridCol w="914400">
+                  <a:extLst>
+                    <a:ext uri="{9D8B030D-6E8A-4147-A177-3AD203B41FA5}">
+                      <a16:colId xmlns:a16="http://schemas.microsoft.com/office/drawing/2014/main" val="3932307923"/>
+                    </a:ext>
+                  </a:extLst>
+                </a:gridCol>
+                <a:gridCol w="914400">
+                  <a:extLst>
+                    <a:ext uri="{9D8B030D-6E8A-4147-A177-3AD203B41FA5}">
+                      <a16:colId xmlns:a16="http://schemas.microsoft.com/office/drawing/2014/main" val="1127666261"/>
+                    </a:ext>
+                  </a:extLst>
+                </a:gridCol>
+                <a:gridCol w="914400">
+                  <a:extLst>
+                    <a:ext uri="{9D8B030D-6E8A-4147-A177-3AD203B41FA5}">
+                      <a16:colId xmlns:a16="http://schemas.microsoft.com/office/drawing/2014/main" val="3505307464"/>
+                    </a:ext>
+                  </a:extLst>
+                </a:gridCol>
+                <a:gridCol w="914400">
+                  <a:extLst>
+                    <a:ext uri="{9D8B030D-6E8A-4147-A177-3AD203B41FA5}">
+                      <a16:colId xmlns:a16="http://schemas.microsoft.com/office/drawing/2014/main" val="103258057"/>
+                    </a:ext>
+                  </a:extLst>
+                </a:gridCol>
+                <a:gridCol w="914400">
+                  <a:extLst>
+                    <a:ext uri="{9D8B030D-6E8A-4147-A177-3AD203B41FA5}">
+                      <a16:colId xmlns:a16="http://schemas.microsoft.com/office/drawing/2014/main" val="3293343223"/>
+                    </a:ext>
+                  </a:extLst>
+                </a:gridCol>
+                <a:gridCol w="914400">
+                  <a:extLst>
+                    <a:ext uri="{9D8B030D-6E8A-4147-A177-3AD203B41FA5}">
+                      <a16:colId xmlns:a16="http://schemas.microsoft.com/office/drawing/2014/main" val="3244546616"/>
+                    </a:ext>
+                  </a:extLst>
+                </a:gridCol>
+                <a:gridCol w="914400">
+                  <a:extLst>
+                    <a:ext uri="{9D8B030D-6E8A-4147-A177-3AD203B41FA5}">
+                      <a16:colId xmlns:a16="http://schemas.microsoft.com/office/drawing/2014/main" val="4179226872"/>
+                    </a:ext>
+                  </a:extLst>
+                </a:gridCol>
+                <a:gridCol w="914400">
+                  <a:extLst>
+                    <a:ext uri="{9D8B030D-6E8A-4147-A177-3AD203B41FA5}">
+                      <a16:colId xmlns:a16="http://schemas.microsoft.com/office/drawing/2014/main" val="2681489216"/>
+                    </a:ext>
+                  </a:extLst>
+                </a:gridCol>
+                <a:gridCol w="914400">
+                  <a:extLst>
+                    <a:ext uri="{9D8B030D-6E8A-4147-A177-3AD203B41FA5}">
+                      <a16:colId xmlns:a16="http://schemas.microsoft.com/office/drawing/2014/main" val="2857516136"/>
+                    </a:ext>
+                  </a:extLst>
+                </a:gridCol>
+                <a:gridCol w="914400">
+                  <a:extLst>
+                    <a:ext uri="{9D8B030D-6E8A-4147-A177-3AD203B41FA5}">
+                      <a16:colId xmlns:a16="http://schemas.microsoft.com/office/drawing/2014/main" val="2407640747"/>
+                    </a:ext>
+                  </a:extLst>
+                </a:gridCol>
+              </a:tblGrid>
+              <a:tr h="6172200">
+                <a:tc>
+                  <a:txBody>
+                    <a:bodyPr/>
+                    <a:lstStyle/>
+                    <a:p>
+                      <a:endParaRPr lang="en-US" dirty="0"/>
+                    </a:p>
+                  </a:txBody>
+                  <a:tcPr>
+                    <a:lnL w="12700" cmpd="sng">
+                      <a:noFill/>
+                    </a:lnL>
+                    <a:lnR w="9525" cap="flat" cmpd="sng" algn="ctr">
+                      <a:solidFill>
+                        <a:schemeClr val="tx1">
+                          <a:lumMod val="75000"/>
+                          <a:lumOff val="25000"/>
+                        </a:schemeClr>
+                      </a:solidFill>
+                      <a:prstDash val="dot"/>
+                      <a:round/>
+                      <a:headEnd type="none" w="med" len="med"/>
+                      <a:tailEnd type="none" w="med" len="med"/>
+                    </a:lnR>
+                    <a:lnT w="12700" cmpd="sng">
+                      <a:noFill/>
+                    </a:lnT>
+                    <a:lnB w="38100" cmpd="sng">
+                      <a:noFill/>
+                    </a:lnB>
+                    <a:lnTlToBr w="12700" cmpd="sng">
+                      <a:noFill/>
+                      <a:prstDash val="solid"/>
+                    </a:lnTlToBr>
+                    <a:lnBlToTr w="12700" cmpd="sng">
+                      <a:noFill/>
+                      <a:prstDash val="solid"/>
+                    </a:lnBlToTr>
+                    <a:noFill/>
+                  </a:tcPr>
+                </a:tc>
+                <a:tc>
+                  <a:txBody>
+                    <a:bodyPr/>
+                    <a:lstStyle/>
+                    <a:p>
+                      <a:endParaRPr lang="en-US" dirty="0"/>
+                    </a:p>
+                  </a:txBody>
+                  <a:tcPr>
+                    <a:lnL w="9525" cap="flat" cmpd="sng" algn="ctr">
+                      <a:solidFill>
+                        <a:schemeClr val="tx1">
+                          <a:lumMod val="75000"/>
+                          <a:lumOff val="25000"/>
+                        </a:schemeClr>
+                      </a:solidFill>
+                      <a:prstDash val="dot"/>
+                      <a:round/>
+                      <a:headEnd type="none" w="med" len="med"/>
+                      <a:tailEnd type="none" w="med" len="med"/>
+                    </a:lnL>
+                    <a:lnR w="9525" cap="flat" cmpd="sng" algn="ctr">
+                      <a:solidFill>
+                        <a:schemeClr val="tx1">
+                          <a:lumMod val="75000"/>
+                          <a:lumOff val="25000"/>
+                        </a:schemeClr>
+                      </a:solidFill>
+                      <a:prstDash val="dot"/>
+                      <a:round/>
+                      <a:headEnd type="none" w="med" len="med"/>
+                      <a:tailEnd type="none" w="med" len="med"/>
+                    </a:lnR>
+                    <a:lnT w="12700" cmpd="sng">
+                      <a:noFill/>
+                    </a:lnT>
+                    <a:lnB w="38100" cmpd="sng">
+                      <a:noFill/>
+                    </a:lnB>
+                    <a:lnTlToBr w="12700" cmpd="sng">
+                      <a:noFill/>
+                      <a:prstDash val="solid"/>
+                    </a:lnTlToBr>
+                    <a:lnBlToTr w="12700" cmpd="sng">
+                      <a:noFill/>
+                      <a:prstDash val="solid"/>
+                    </a:lnBlToTr>
+                    <a:noFill/>
+                  </a:tcPr>
+                </a:tc>
+                <a:tc>
+                  <a:txBody>
+                    <a:bodyPr/>
+                    <a:lstStyle/>
+                    <a:p>
+                      <a:endParaRPr lang="en-US" dirty="0"/>
+                    </a:p>
+                  </a:txBody>
+                  <a:tcPr>
+                    <a:lnL w="9525" cap="flat" cmpd="sng" algn="ctr">
+                      <a:solidFill>
+                        <a:schemeClr val="tx1">
+                          <a:lumMod val="75000"/>
+                          <a:lumOff val="25000"/>
+                        </a:schemeClr>
+                      </a:solidFill>
+                      <a:prstDash val="dot"/>
+                      <a:round/>
+                      <a:headEnd type="none" w="med" len="med"/>
+                      <a:tailEnd type="none" w="med" len="med"/>
+                    </a:lnL>
+                    <a:lnR w="9525" cap="flat" cmpd="sng" algn="ctr">
+                      <a:solidFill>
+                        <a:schemeClr val="tx1">
+                          <a:lumMod val="75000"/>
+                          <a:lumOff val="25000"/>
+                        </a:schemeClr>
+                      </a:solidFill>
+                      <a:prstDash val="dot"/>
+                      <a:round/>
+                      <a:headEnd type="none" w="med" len="med"/>
+                      <a:tailEnd type="none" w="med" len="med"/>
+                    </a:lnR>
+                    <a:lnT w="12700" cmpd="sng">
+                      <a:noFill/>
+                    </a:lnT>
+                    <a:lnB w="38100" cmpd="sng">
+                      <a:noFill/>
+                    </a:lnB>
+                    <a:lnTlToBr w="12700" cmpd="sng">
+                      <a:noFill/>
+                      <a:prstDash val="solid"/>
+                    </a:lnTlToBr>
+                    <a:lnBlToTr w="12700" cmpd="sng">
+                      <a:noFill/>
+                      <a:prstDash val="solid"/>
+                    </a:lnBlToTr>
+                    <a:noFill/>
+                  </a:tcPr>
+                </a:tc>
+                <a:tc>
+                  <a:txBody>
+                    <a:bodyPr/>
+                    <a:lstStyle/>
+                    <a:p>
+                      <a:endParaRPr lang="en-US"/>
+                    </a:p>
+                  </a:txBody>
+                  <a:tcPr>
+                    <a:lnL w="9525" cap="flat" cmpd="sng" algn="ctr">
+                      <a:solidFill>
+                        <a:schemeClr val="tx1">
+                          <a:lumMod val="75000"/>
+                          <a:lumOff val="25000"/>
+                        </a:schemeClr>
+                      </a:solidFill>
+                      <a:prstDash val="dot"/>
+                      <a:round/>
+                      <a:headEnd type="none" w="med" len="med"/>
+                      <a:tailEnd type="none" w="med" len="med"/>
+                    </a:lnL>
+                    <a:lnR w="9525" cap="flat" cmpd="sng" algn="ctr">
+                      <a:solidFill>
+                        <a:schemeClr val="tx1">
+                          <a:lumMod val="75000"/>
+                          <a:lumOff val="25000"/>
+                        </a:schemeClr>
+                      </a:solidFill>
+                      <a:prstDash val="dot"/>
+                      <a:round/>
+                      <a:headEnd type="none" w="med" len="med"/>
+                      <a:tailEnd type="none" w="med" len="med"/>
+                    </a:lnR>
+                    <a:lnT w="12700" cmpd="sng">
+                      <a:noFill/>
+                    </a:lnT>
+                    <a:lnB w="38100" cmpd="sng">
+                      <a:noFill/>
+                    </a:lnB>
+                    <a:lnTlToBr w="12700" cmpd="sng">
+                      <a:noFill/>
+                      <a:prstDash val="solid"/>
+                    </a:lnTlToBr>
+                    <a:lnBlToTr w="12700" cmpd="sng">
+                      <a:noFill/>
+                      <a:prstDash val="solid"/>
+                    </a:lnBlToTr>
+                    <a:noFill/>
+                  </a:tcPr>
+                </a:tc>
+                <a:tc>
+                  <a:txBody>
+                    <a:bodyPr/>
+                    <a:lstStyle/>
+                    <a:p>
+                      <a:endParaRPr lang="en-US" dirty="0"/>
+                    </a:p>
+                  </a:txBody>
+                  <a:tcPr>
+                    <a:lnL w="9525" cap="flat" cmpd="sng" algn="ctr">
+                      <a:solidFill>
+                        <a:schemeClr val="tx1">
+                          <a:lumMod val="75000"/>
+                          <a:lumOff val="25000"/>
+                        </a:schemeClr>
+                      </a:solidFill>
+                      <a:prstDash val="dot"/>
+                      <a:round/>
+                      <a:headEnd type="none" w="med" len="med"/>
+                      <a:tailEnd type="none" w="med" len="med"/>
+                    </a:lnL>
+                    <a:lnR w="9525" cap="flat" cmpd="sng" algn="ctr">
+                      <a:solidFill>
+                        <a:schemeClr val="tx1">
+                          <a:lumMod val="75000"/>
+                          <a:lumOff val="25000"/>
+                        </a:schemeClr>
+                      </a:solidFill>
+                      <a:prstDash val="dot"/>
+                      <a:round/>
+                      <a:headEnd type="none" w="med" len="med"/>
+                      <a:tailEnd type="none" w="med" len="med"/>
+                    </a:lnR>
+                    <a:lnT w="12700" cmpd="sng">
+                      <a:noFill/>
+                    </a:lnT>
+                    <a:lnB w="38100" cmpd="sng">
+                      <a:noFill/>
+                    </a:lnB>
+                    <a:lnTlToBr w="12700" cmpd="sng">
+                      <a:noFill/>
+                      <a:prstDash val="solid"/>
+                    </a:lnTlToBr>
+                    <a:lnBlToTr w="12700" cmpd="sng">
+                      <a:noFill/>
+                      <a:prstDash val="solid"/>
+                    </a:lnBlToTr>
+                    <a:noFill/>
+                  </a:tcPr>
+                </a:tc>
+                <a:tc>
+                  <a:txBody>
+                    <a:bodyPr/>
+                    <a:lstStyle/>
+                    <a:p>
+                      <a:endParaRPr lang="en-US" dirty="0"/>
+                    </a:p>
+                  </a:txBody>
+                  <a:tcPr>
+                    <a:lnL w="9525" cap="flat" cmpd="sng" algn="ctr">
+                      <a:solidFill>
+                        <a:schemeClr val="tx1">
+                          <a:lumMod val="75000"/>
+                          <a:lumOff val="25000"/>
+                        </a:schemeClr>
+                      </a:solidFill>
+                      <a:prstDash val="dot"/>
+                      <a:round/>
+                      <a:headEnd type="none" w="med" len="med"/>
+                      <a:tailEnd type="none" w="med" len="med"/>
+                    </a:lnL>
+                    <a:lnR w="9525" cap="flat" cmpd="sng" algn="ctr">
+                      <a:solidFill>
+                        <a:schemeClr val="tx1">
+                          <a:lumMod val="75000"/>
+                          <a:lumOff val="25000"/>
+                        </a:schemeClr>
+                      </a:solidFill>
+                      <a:prstDash val="dot"/>
+                      <a:round/>
+                      <a:headEnd type="none" w="med" len="med"/>
+                      <a:tailEnd type="none" w="med" len="med"/>
+                    </a:lnR>
+                    <a:lnT w="12700" cmpd="sng">
+                      <a:noFill/>
+                    </a:lnT>
+                    <a:lnB w="38100" cmpd="sng">
+                      <a:noFill/>
+                    </a:lnB>
+                    <a:lnTlToBr w="12700" cmpd="sng">
+                      <a:noFill/>
+                      <a:prstDash val="solid"/>
+                    </a:lnTlToBr>
+                    <a:lnBlToTr w="12700" cmpd="sng">
+                      <a:noFill/>
+                      <a:prstDash val="solid"/>
+                    </a:lnBlToTr>
+                    <a:noFill/>
+                  </a:tcPr>
+                </a:tc>
+                <a:tc>
+                  <a:txBody>
+                    <a:bodyPr/>
+                    <a:lstStyle/>
+                    <a:p>
+                      <a:endParaRPr lang="en-US" dirty="0"/>
+                    </a:p>
+                  </a:txBody>
+                  <a:tcPr>
+                    <a:lnL w="9525" cap="flat" cmpd="sng" algn="ctr">
+                      <a:solidFill>
+                        <a:schemeClr val="tx1">
+                          <a:lumMod val="75000"/>
+                          <a:lumOff val="25000"/>
+                        </a:schemeClr>
+                      </a:solidFill>
+                      <a:prstDash val="dot"/>
+                      <a:round/>
+                      <a:headEnd type="none" w="med" len="med"/>
+                      <a:tailEnd type="none" w="med" len="med"/>
+                    </a:lnL>
+                    <a:lnR w="9525" cap="flat" cmpd="sng" algn="ctr">
+                      <a:solidFill>
+                        <a:schemeClr val="tx1">
+                          <a:lumMod val="75000"/>
+                          <a:lumOff val="25000"/>
+                        </a:schemeClr>
+                      </a:solidFill>
+                      <a:prstDash val="dot"/>
+                      <a:round/>
+                      <a:headEnd type="none" w="med" len="med"/>
+                      <a:tailEnd type="none" w="med" len="med"/>
+                    </a:lnR>
+                    <a:lnT w="12700" cmpd="sng">
+                      <a:noFill/>
+                    </a:lnT>
+                    <a:lnB w="38100" cmpd="sng">
+                      <a:noFill/>
+                    </a:lnB>
+                    <a:lnTlToBr w="12700" cmpd="sng">
+                      <a:noFill/>
+                      <a:prstDash val="solid"/>
+                    </a:lnTlToBr>
+                    <a:lnBlToTr w="12700" cmpd="sng">
+                      <a:noFill/>
+                      <a:prstDash val="solid"/>
+                    </a:lnBlToTr>
+                    <a:noFill/>
+                  </a:tcPr>
+                </a:tc>
+                <a:tc>
+                  <a:txBody>
+                    <a:bodyPr/>
+                    <a:lstStyle/>
+                    <a:p>
+                      <a:endParaRPr lang="en-US" dirty="0"/>
+                    </a:p>
+                  </a:txBody>
+                  <a:tcPr>
+                    <a:lnL w="9525" cap="flat" cmpd="sng" algn="ctr">
+                      <a:solidFill>
+                        <a:schemeClr val="tx1">
+                          <a:lumMod val="75000"/>
+                          <a:lumOff val="25000"/>
+                        </a:schemeClr>
+                      </a:solidFill>
+                      <a:prstDash val="dot"/>
+                      <a:round/>
+                      <a:headEnd type="none" w="med" len="med"/>
+                      <a:tailEnd type="none" w="med" len="med"/>
+                    </a:lnL>
+                    <a:lnR w="9525" cap="flat" cmpd="sng" algn="ctr">
+                      <a:solidFill>
+                        <a:schemeClr val="tx1">
+                          <a:lumMod val="75000"/>
+                          <a:lumOff val="25000"/>
+                        </a:schemeClr>
+                      </a:solidFill>
+                      <a:prstDash val="dot"/>
+                      <a:round/>
+                      <a:headEnd type="none" w="med" len="med"/>
+                      <a:tailEnd type="none" w="med" len="med"/>
+                    </a:lnR>
+                    <a:lnT w="12700" cmpd="sng">
+                      <a:noFill/>
+                    </a:lnT>
+                    <a:lnB w="38100" cmpd="sng">
+                      <a:noFill/>
+                    </a:lnB>
+                    <a:lnTlToBr w="12700" cmpd="sng">
+                      <a:noFill/>
+                      <a:prstDash val="solid"/>
+                    </a:lnTlToBr>
+                    <a:lnBlToTr w="12700" cmpd="sng">
+                      <a:noFill/>
+                      <a:prstDash val="solid"/>
+                    </a:lnBlToTr>
+                    <a:noFill/>
+                  </a:tcPr>
+                </a:tc>
+                <a:tc>
+                  <a:txBody>
+                    <a:bodyPr/>
+                    <a:lstStyle/>
+                    <a:p>
+                      <a:endParaRPr lang="en-US" dirty="0"/>
+                    </a:p>
+                  </a:txBody>
+                  <a:tcPr>
+                    <a:lnL w="9525" cap="flat" cmpd="sng" algn="ctr">
+                      <a:solidFill>
+                        <a:schemeClr val="tx1">
+                          <a:lumMod val="75000"/>
+                          <a:lumOff val="25000"/>
+                        </a:schemeClr>
+                      </a:solidFill>
+                      <a:prstDash val="dot"/>
+                      <a:round/>
+                      <a:headEnd type="none" w="med" len="med"/>
+                      <a:tailEnd type="none" w="med" len="med"/>
+                    </a:lnL>
+                    <a:lnR w="9525" cap="flat" cmpd="sng" algn="ctr">
+                      <a:solidFill>
+                        <a:schemeClr val="tx1">
+                          <a:lumMod val="75000"/>
+                          <a:lumOff val="25000"/>
+                        </a:schemeClr>
+                      </a:solidFill>
+                      <a:prstDash val="dot"/>
+                      <a:round/>
+                      <a:headEnd type="none" w="med" len="med"/>
+                      <a:tailEnd type="none" w="med" len="med"/>
+                    </a:lnR>
+                    <a:lnT w="12700" cmpd="sng">
+                      <a:noFill/>
+                    </a:lnT>
+                    <a:lnB w="38100" cmpd="sng">
+                      <a:noFill/>
+                    </a:lnB>
+                    <a:lnTlToBr w="12700" cmpd="sng">
+                      <a:noFill/>
+                      <a:prstDash val="solid"/>
+                    </a:lnTlToBr>
+                    <a:lnBlToTr w="12700" cmpd="sng">
+                      <a:noFill/>
+                      <a:prstDash val="solid"/>
+                    </a:lnBlToTr>
+                    <a:noFill/>
+                  </a:tcPr>
+                </a:tc>
+                <a:tc>
+                  <a:txBody>
+                    <a:bodyPr/>
+                    <a:lstStyle/>
+                    <a:p>
+                      <a:endParaRPr lang="en-US" dirty="0"/>
+                    </a:p>
+                  </a:txBody>
+                  <a:tcPr>
+                    <a:lnL w="9525" cap="flat" cmpd="sng" algn="ctr">
+                      <a:solidFill>
+                        <a:schemeClr val="tx1">
+                          <a:lumMod val="75000"/>
+                          <a:lumOff val="25000"/>
+                        </a:schemeClr>
+                      </a:solidFill>
+                      <a:prstDash val="dot"/>
+                      <a:round/>
+                      <a:headEnd type="none" w="med" len="med"/>
+                      <a:tailEnd type="none" w="med" len="med"/>
+                    </a:lnL>
+                    <a:lnR w="9525" cap="flat" cmpd="sng" algn="ctr">
+                      <a:solidFill>
+                        <a:schemeClr val="tx1">
+                          <a:lumMod val="75000"/>
+                          <a:lumOff val="25000"/>
+                        </a:schemeClr>
+                      </a:solidFill>
+                      <a:prstDash val="dot"/>
+                      <a:round/>
+                      <a:headEnd type="none" w="med" len="med"/>
+                      <a:tailEnd type="none" w="med" len="med"/>
+                    </a:lnR>
+                    <a:lnT w="12700" cmpd="sng">
+                      <a:noFill/>
+                    </a:lnT>
+                    <a:lnB w="38100" cmpd="sng">
+                      <a:noFill/>
+                    </a:lnB>
+                    <a:lnTlToBr w="12700" cmpd="sng">
+                      <a:noFill/>
+                      <a:prstDash val="solid"/>
+                    </a:lnTlToBr>
+                    <a:lnBlToTr w="12700" cmpd="sng">
+                      <a:noFill/>
+                      <a:prstDash val="solid"/>
+                    </a:lnBlToTr>
+                    <a:noFill/>
+                  </a:tcPr>
+                </a:tc>
+                <a:tc>
+                  <a:txBody>
+                    <a:bodyPr/>
+                    <a:lstStyle/>
+                    <a:p>
+                      <a:endParaRPr lang="en-US" dirty="0"/>
+                    </a:p>
+                  </a:txBody>
+                  <a:tcPr>
+                    <a:lnL w="9525" cap="flat" cmpd="sng" algn="ctr">
+                      <a:solidFill>
+                        <a:schemeClr val="tx1">
+                          <a:lumMod val="75000"/>
+                          <a:lumOff val="25000"/>
+                        </a:schemeClr>
+                      </a:solidFill>
+                      <a:prstDash val="dot"/>
+                      <a:round/>
+                      <a:headEnd type="none" w="med" len="med"/>
+                      <a:tailEnd type="none" w="med" len="med"/>
+                    </a:lnL>
+                    <a:lnR w="9525" cap="flat" cmpd="sng" algn="ctr">
+                      <a:solidFill>
+                        <a:schemeClr val="tx1">
+                          <a:lumMod val="75000"/>
+                          <a:lumOff val="25000"/>
+                        </a:schemeClr>
+                      </a:solidFill>
+                      <a:prstDash val="dot"/>
+                      <a:round/>
+                      <a:headEnd type="none" w="med" len="med"/>
+                      <a:tailEnd type="none" w="med" len="med"/>
+                    </a:lnR>
+                    <a:lnT w="12700" cmpd="sng">
+                      <a:noFill/>
+                    </a:lnT>
+                    <a:lnB w="38100" cmpd="sng">
+                      <a:noFill/>
+                    </a:lnB>
+                    <a:lnTlToBr w="12700" cmpd="sng">
+                      <a:noFill/>
+                      <a:prstDash val="solid"/>
+                    </a:lnTlToBr>
+                    <a:lnBlToTr w="12700" cmpd="sng">
+                      <a:noFill/>
+                      <a:prstDash val="solid"/>
+                    </a:lnBlToTr>
+                    <a:noFill/>
+                  </a:tcPr>
+                </a:tc>
+                <a:tc>
+                  <a:txBody>
+                    <a:bodyPr/>
+                    <a:lstStyle/>
+                    <a:p>
+                      <a:endParaRPr lang="en-US" dirty="0"/>
+                    </a:p>
+                  </a:txBody>
+                  <a:tcPr>
+                    <a:lnL w="9525" cap="flat" cmpd="sng" algn="ctr">
+                      <a:solidFill>
+                        <a:schemeClr val="tx1">
+                          <a:lumMod val="75000"/>
+                          <a:lumOff val="25000"/>
+                        </a:schemeClr>
+                      </a:solidFill>
+                      <a:prstDash val="dot"/>
+                      <a:round/>
+                      <a:headEnd type="none" w="med" len="med"/>
+                      <a:tailEnd type="none" w="med" len="med"/>
+                    </a:lnL>
+                    <a:lnR w="12700" cmpd="sng">
+                      <a:noFill/>
+                    </a:lnR>
+                    <a:lnT w="12700" cmpd="sng">
+                      <a:noFill/>
+                    </a:lnT>
+                    <a:lnB w="38100" cmpd="sng">
+                      <a:noFill/>
+                    </a:lnB>
+                    <a:lnTlToBr w="12700" cmpd="sng">
+                      <a:noFill/>
+                      <a:prstDash val="solid"/>
+                    </a:lnTlToBr>
+                    <a:lnBlToTr w="12700" cmpd="sng">
+                      <a:noFill/>
+                      <a:prstDash val="solid"/>
+                    </a:lnBlToTr>
+                    <a:noFill/>
+                  </a:tcPr>
+                </a:tc>
+                <a:extLst>
+                  <a:ext uri="{0D108BD9-81ED-4DB2-BD59-A6C34878D82A}">
+                    <a16:rowId xmlns:a16="http://schemas.microsoft.com/office/drawing/2014/main" val="1059837539"/>
+                  </a:ext>
+                </a:extLst>
+              </a:tr>
+            </a:tbl>
+          </a:graphicData>
+        </a:graphic>
+      </p:graphicFrame>
+      <p:sp>
+        <p:nvSpPr>
+          <p:cNvPr id="23" name="Right Triangle 22">
+            <a:extLst>
+              <a:ext uri="{FF2B5EF4-FFF2-40B4-BE49-F238E27FC236}">
+                <a16:creationId xmlns:a16="http://schemas.microsoft.com/office/drawing/2014/main" id="{98D8D8C5-1145-054E-CD96-D2EDEDD8C378}"/>
+              </a:ext>
+            </a:extLst>
+          </p:cNvPr>
+          <p:cNvSpPr/>
+          <p:nvPr/>
+        </p:nvSpPr>
+        <p:spPr>
+          <a:xfrm rot="18900000">
+            <a:off x="938072" y="4022855"/>
+            <a:ext cx="114300" cy="114299"/>
+          </a:xfrm>
+          <a:prstGeom prst="rtTriangle">
+            <a:avLst/>
+          </a:prstGeom>
+        </p:spPr>
+        <p:style>
+          <a:lnRef idx="2">
+            <a:schemeClr val="dk1">
+              <a:shade val="15000"/>
+            </a:schemeClr>
+          </a:lnRef>
+          <a:fillRef idx="1">
+            <a:schemeClr val="dk1"/>
+          </a:fillRef>
+          <a:effectRef idx="0">
+            <a:schemeClr val="dk1"/>
+          </a:effectRef>
+          <a:fontRef idx="minor">
+            <a:schemeClr val="lt1"/>
+          </a:fontRef>
+        </p:style>
+        <p:txBody>
+          <a:bodyPr rtlCol="0" anchor="ctr"/>
+          <a:lstStyle/>
+          <a:p>
+            <a:pPr algn="ctr"/>
+            <a:endParaRPr lang="en-US"/>
           </a:p>
         </p:txBody>
       </p:sp>
